--- a/3_Aufbaumodule/A2_Kryptologie/A2.6_Moderne_Kryptologie.pptx
+++ b/3_Aufbaumodule/A2_Kryptologie/A2.6_Moderne_Kryptologie.pptx
@@ -122,7 +122,7 @@
   </p:defaultTextStyle>
   <p:extLst>
     <p:ext uri="{EFAFB233-063F-42B5-8137-9DF3F51BA10A}">
-      <p15:sldGuideLst xmlns:p15="http://schemas.microsoft.com/office/powerpoint/2012/main" xmlns="">
+      <p15:sldGuideLst xmlns:p15="http://schemas.microsoft.com/office/powerpoint/2012/main">
         <p15:guide id="1" orient="horz" pos="2160">
           <p15:clr>
             <a:srgbClr val="A4A3A4"/>
@@ -141,19 +141,8 @@
 
 <file path=ppt/commentAuthors.xml><?xml version="1.0" encoding="utf-8"?>
 <p:cmAuthorLst xmlns:a="http://schemas.openxmlformats.org/drawingml/2006/main" xmlns:r="http://schemas.openxmlformats.org/officeDocument/2006/relationships" xmlns:p="http://schemas.openxmlformats.org/presentationml/2006/main">
-  <p:cmAuthor id="1" name="Franziska Hutzler" initials="FH" lastIdx="2" clrIdx="0">
-    <p:extLst/>
-  </p:cmAuthor>
+  <p:cmAuthor id="1" name="Franziska Hutzler" initials="FH" lastIdx="2" clrIdx="0"/>
 </p:cmAuthorLst>
-</file>
-
-<file path=ppt/comments/comment1.xml><?xml version="1.0" encoding="utf-8"?>
-<p:cmLst xmlns:a="http://schemas.openxmlformats.org/drawingml/2006/main" xmlns:r="http://schemas.openxmlformats.org/officeDocument/2006/relationships" xmlns:p="http://schemas.openxmlformats.org/presentationml/2006/main">
-  <p:cm authorId="1" dt="2016-09-02T12:30:22.733" idx="2">
-    <p:pos x="1795" y="2047"/>
-    <p:text>Verschlüsseln und Unterschreiben (groß)</p:text>
-  </p:cm>
-</p:cmLst>
 </file>
 
 <file path=ppt/notesMasters/notesMaster1.xml><?xml version="1.0" encoding="utf-8"?>
@@ -238,7 +227,7 @@
           <a:p>
             <a:fld id="{15274189-94FE-48B0-BAE5-4E88B491242E}" type="datetimeFigureOut">
               <a:rPr lang="de-DE"/>
-              <a:t>02.09.2016</a:t>
+              <a:t>01.03.2023</a:t>
             </a:fld>
             <a:endParaRPr lang="de-DE"/>
           </a:p>
@@ -887,32 +876,38 @@
       </p:sp>
       <p:pic>
         <p:nvPicPr>
-          <p:cNvPr id="8" name="Grafik 7" descr="http://www.benjamin-gmbh.de/konsortium/Wissensfabrik_Logo.jpg"/>
-          <p:cNvPicPr/>
+          <p:cNvPr id="6" name="Grafik 5">
+            <a:extLst>
+              <a:ext uri="{FF2B5EF4-FFF2-40B4-BE49-F238E27FC236}">
+                <a16:creationId xmlns:a16="http://schemas.microsoft.com/office/drawing/2014/main" id="{AEF0F308-5510-6C1B-2B97-D13B08459F46}"/>
+              </a:ext>
+            </a:extLst>
+          </p:cNvPr>
+          <p:cNvPicPr>
+            <a:picLocks noChangeAspect="1"/>
+          </p:cNvPicPr>
           <p:nvPr userDrawn="1"/>
         </p:nvPicPr>
         <p:blipFill>
-          <a:blip r:embed="rId2" cstate="print">
+          <a:blip r:embed="rId2">
             <a:extLst>
               <a:ext uri="{28A0092B-C50C-407E-A947-70E740481C1C}">
                 <a14:useLocalDpi xmlns:a14="http://schemas.microsoft.com/office/drawing/2010/main" val="0"/>
               </a:ext>
             </a:extLst>
           </a:blip>
-          <a:srcRect/>
           <a:stretch>
             <a:fillRect/>
           </a:stretch>
         </p:blipFill>
-        <p:spPr bwMode="auto">
-          <a:xfrm>
-            <a:off x="3756384" y="730272"/>
-            <a:ext cx="4931815" cy="971793"/>
+        <p:spPr>
+          <a:xfrm>
+            <a:off x="3748848" y="692696"/>
+            <a:ext cx="4931815" cy="1432952"/>
           </a:xfrm>
           <a:prstGeom prst="rect">
             <a:avLst/>
           </a:prstGeom>
-          <a:noFill/>
           <a:ln>
             <a:noFill/>
           </a:ln>
@@ -1096,7 +1091,7 @@
             <a:fld id="{BB152D9C-EC77-46BE-B6E8-C7E7925DAE68}" type="datetimeFigureOut">
               <a:rPr lang="de-DE" smtClean="0"/>
               <a:pPr/>
-              <a:t>02.09.2016</a:t>
+              <a:t>01.03.2023</a:t>
             </a:fld>
             <a:endParaRPr lang="de-DE"/>
           </a:p>
@@ -1333,7 +1328,7 @@
             <a:fld id="{BB152D9C-EC77-46BE-B6E8-C7E7925DAE68}" type="datetimeFigureOut">
               <a:rPr lang="de-DE" smtClean="0"/>
               <a:pPr/>
-              <a:t>02.09.2016</a:t>
+              <a:t>01.03.2023</a:t>
             </a:fld>
             <a:endParaRPr lang="de-DE"/>
           </a:p>
@@ -1560,39 +1555,6 @@
           </a:p>
         </p:txBody>
       </p:sp>
-      <p:pic>
-        <p:nvPicPr>
-          <p:cNvPr id="8" name="Grafik 7" descr="http://www.benjamin-gmbh.de/konsortium/Wissensfabrik_Logo.jpg"/>
-          <p:cNvPicPr/>
-          <p:nvPr userDrawn="1"/>
-        </p:nvPicPr>
-        <p:blipFill>
-          <a:blip r:embed="rId2" cstate="print">
-            <a:extLst>
-              <a:ext uri="{28A0092B-C50C-407E-A947-70E740481C1C}">
-                <a14:useLocalDpi xmlns:a14="http://schemas.microsoft.com/office/drawing/2010/main" val="0"/>
-              </a:ext>
-            </a:extLst>
-          </a:blip>
-          <a:srcRect/>
-          <a:stretch>
-            <a:fillRect/>
-          </a:stretch>
-        </p:blipFill>
-        <p:spPr bwMode="auto">
-          <a:xfrm>
-            <a:off x="6588224" y="6295173"/>
-            <a:ext cx="2016224" cy="374187"/>
-          </a:xfrm>
-          <a:prstGeom prst="rect">
-            <a:avLst/>
-          </a:prstGeom>
-          <a:noFill/>
-          <a:ln>
-            <a:noFill/>
-          </a:ln>
-        </p:spPr>
-      </p:pic>
       <p:sp>
         <p:nvSpPr>
           <p:cNvPr id="9" name="Date Placeholder 4"/>
@@ -1605,8 +1567,8 @@
         </p:nvSpPr>
         <p:spPr>
           <a:xfrm>
-            <a:off x="581191" y="6304235"/>
-            <a:ext cx="6007033" cy="365125"/>
+            <a:off x="581192" y="6304235"/>
+            <a:ext cx="5679190" cy="365125"/>
           </a:xfrm>
         </p:spPr>
         <p:txBody>
@@ -1620,7 +1582,7 @@
             <a:fld id="{BB152D9C-EC77-46BE-B6E8-C7E7925DAE68}" type="datetimeFigureOut">
               <a:rPr lang="de-DE" smtClean="0"/>
               <a:pPr/>
-              <a:t>02.09.2016</a:t>
+              <a:t>01.03.2023</a:t>
             </a:fld>
             <a:r>
               <a:rPr lang="de-DE" dirty="0"/>
@@ -1635,6 +1597,41 @@
           </a:p>
         </p:txBody>
       </p:sp>
+      <p:pic>
+        <p:nvPicPr>
+          <p:cNvPr id="5" name="Grafik 4">
+            <a:extLst>
+              <a:ext uri="{FF2B5EF4-FFF2-40B4-BE49-F238E27FC236}">
+                <a16:creationId xmlns:a16="http://schemas.microsoft.com/office/drawing/2014/main" id="{AEFF407B-E479-9271-EF06-52343D77E120}"/>
+              </a:ext>
+            </a:extLst>
+          </p:cNvPr>
+          <p:cNvPicPr>
+            <a:picLocks noChangeAspect="1"/>
+          </p:cNvPicPr>
+          <p:nvPr userDrawn="1"/>
+        </p:nvPicPr>
+        <p:blipFill>
+          <a:blip r:embed="rId2" cstate="screen">
+            <a:extLst>
+              <a:ext uri="{28A0092B-C50C-407E-A947-70E740481C1C}">
+                <a14:useLocalDpi xmlns:a14="http://schemas.microsoft.com/office/drawing/2010/main"/>
+              </a:ext>
+            </a:extLst>
+          </a:blip>
+          <a:srcRect/>
+          <a:stretch/>
+        </p:blipFill>
+        <p:spPr>
+          <a:xfrm>
+            <a:off x="6260382" y="6135044"/>
+            <a:ext cx="2426418" cy="703505"/>
+          </a:xfrm>
+          <a:prstGeom prst="rect">
+            <a:avLst/>
+          </a:prstGeom>
+        </p:spPr>
+      </p:pic>
     </p:spTree>
     <p:extLst>
       <p:ext uri="{BB962C8B-B14F-4D97-AF65-F5344CB8AC3E}">
@@ -1890,7 +1887,7 @@
             <a:fld id="{BB152D9C-EC77-46BE-B6E8-C7E7925DAE68}" type="datetimeFigureOut">
               <a:rPr lang="de-DE" smtClean="0"/>
               <a:pPr/>
-              <a:t>02.09.2016</a:t>
+              <a:t>01.03.2023</a:t>
             </a:fld>
             <a:endParaRPr lang="de-DE"/>
           </a:p>
@@ -2189,7 +2186,7 @@
             <a:fld id="{BB152D9C-EC77-46BE-B6E8-C7E7925DAE68}" type="datetimeFigureOut">
               <a:rPr lang="de-DE" smtClean="0"/>
               <a:pPr/>
-              <a:t>02.09.2016</a:t>
+              <a:t>01.03.2023</a:t>
             </a:fld>
             <a:endParaRPr lang="de-DE"/>
           </a:p>
@@ -2612,7 +2609,7 @@
             <a:fld id="{BB152D9C-EC77-46BE-B6E8-C7E7925DAE68}" type="datetimeFigureOut">
               <a:rPr lang="de-DE" smtClean="0"/>
               <a:pPr/>
-              <a:t>02.09.2016</a:t>
+              <a:t>01.03.2023</a:t>
             </a:fld>
             <a:endParaRPr lang="de-DE"/>
           </a:p>
@@ -2771,7 +2768,7 @@
             <a:fld id="{BB152D9C-EC77-46BE-B6E8-C7E7925DAE68}" type="datetimeFigureOut">
               <a:rPr lang="de-DE" smtClean="0"/>
               <a:pPr/>
-              <a:t>02.09.2016</a:t>
+              <a:t>01.03.2023</a:t>
             </a:fld>
             <a:endParaRPr lang="de-DE"/>
           </a:p>
@@ -2868,7 +2865,7 @@
             <a:fld id="{BB152D9C-EC77-46BE-B6E8-C7E7925DAE68}" type="datetimeFigureOut">
               <a:rPr lang="de-DE" smtClean="0"/>
               <a:pPr/>
-              <a:t>02.09.2016</a:t>
+              <a:t>01.03.2023</a:t>
             </a:fld>
             <a:endParaRPr lang="de-DE"/>
           </a:p>
@@ -3248,7 +3245,7 @@
             <a:fld id="{BB152D9C-EC77-46BE-B6E8-C7E7925DAE68}" type="datetimeFigureOut">
               <a:rPr lang="de-DE" smtClean="0"/>
               <a:pPr/>
-              <a:t>02.09.2016</a:t>
+              <a:t>01.03.2023</a:t>
             </a:fld>
             <a:endParaRPr lang="de-DE"/>
           </a:p>
@@ -3539,7 +3536,7 @@
             <a:fld id="{BB152D9C-EC77-46BE-B6E8-C7E7925DAE68}" type="datetimeFigureOut">
               <a:rPr lang="de-DE" smtClean="0"/>
               <a:pPr/>
-              <a:t>02.09.2016</a:t>
+              <a:t>01.03.2023</a:t>
             </a:fld>
             <a:endParaRPr lang="de-DE"/>
           </a:p>
@@ -3752,7 +3749,7 @@
             <a:fld id="{BB152D9C-EC77-46BE-B6E8-C7E7925DAE68}" type="datetimeFigureOut">
               <a:rPr lang="de-DE" smtClean="0"/>
               <a:pPr/>
-              <a:t>02.09.2016</a:t>
+              <a:t>01.03.2023</a:t>
             </a:fld>
             <a:endParaRPr lang="de-DE"/>
           </a:p>
@@ -4546,7 +4543,7 @@
                         <m:sSupPr>
                           <m:ctrlPr>
                             <a:rPr lang="de-DE" sz="1800" i="1" smtClean="0">
-                              <a:latin typeface="Cambria Math"/>
+                              <a:latin typeface="Cambria Math" panose="02040503050406030204" pitchFamily="18" charset="0"/>
                             </a:rPr>
                           </m:ctrlPr>
                         </m:sSupPr>
@@ -4577,7 +4574,7 @@
                         <m:dPr>
                           <m:ctrlPr>
                             <a:rPr lang="de-DE" sz="1800" i="1" smtClean="0">
-                              <a:latin typeface="Cambria Math"/>
+                              <a:latin typeface="Cambria Math" panose="02040503050406030204" pitchFamily="18" charset="0"/>
                             </a:rPr>
                           </m:ctrlPr>
                         </m:dPr>
@@ -4778,7 +4775,7 @@
                         <m:sSupPr>
                           <m:ctrlPr>
                             <a:rPr lang="de-DE" sz="1800" i="1" smtClean="0">
-                              <a:latin typeface="Cambria Math"/>
+                              <a:latin typeface="Cambria Math" panose="02040503050406030204" pitchFamily="18" charset="0"/>
                             </a:rPr>
                           </m:ctrlPr>
                         </m:sSupPr>
@@ -4809,7 +4806,7 @@
                         <m:dPr>
                           <m:ctrlPr>
                             <a:rPr lang="de-DE" sz="1800" i="1" smtClean="0">
-                              <a:latin typeface="Cambria Math"/>
+                              <a:latin typeface="Cambria Math" panose="02040503050406030204" pitchFamily="18" charset="0"/>
                             </a:rPr>
                           </m:ctrlPr>
                         </m:dPr>
@@ -5643,7 +5640,7 @@
                         <m:sSupPr>
                           <m:ctrlPr>
                             <a:rPr lang="de-DE" sz="1600" i="1">
-                              <a:latin typeface="Cambria Math"/>
+                              <a:latin typeface="Cambria Math" panose="02040503050406030204" pitchFamily="18" charset="0"/>
                             </a:rPr>
                           </m:ctrlPr>
                         </m:sSupPr>
@@ -5674,7 +5671,7 @@
                         <m:dPr>
                           <m:ctrlPr>
                             <a:rPr lang="de-DE" sz="1600" i="1">
-                              <a:latin typeface="Cambria Math"/>
+                              <a:latin typeface="Cambria Math" panose="02040503050406030204" pitchFamily="18" charset="0"/>
                             </a:rPr>
                           </m:ctrlPr>
                         </m:dPr>
@@ -5807,7 +5804,7 @@
                         <m:sSupPr>
                           <m:ctrlPr>
                             <a:rPr lang="de-DE" sz="1600" i="1">
-                              <a:latin typeface="Cambria Math"/>
+                              <a:latin typeface="Cambria Math" panose="02040503050406030204" pitchFamily="18" charset="0"/>
                             </a:rPr>
                           </m:ctrlPr>
                         </m:sSupPr>
@@ -5841,7 +5838,7 @@
                         <m:dPr>
                           <m:ctrlPr>
                             <a:rPr lang="de-DE" sz="1600" i="1">
-                              <a:latin typeface="Cambria Math"/>
+                              <a:latin typeface="Cambria Math" panose="02040503050406030204" pitchFamily="18" charset="0"/>
                             </a:rPr>
                           </m:ctrlPr>
                         </m:dPr>
@@ -6205,7 +6202,7 @@
           <a:p>
             <a:r>
               <a:rPr lang="de-DE" dirty="0"/>
-              <a:t>Programm zum verschlüsseln und unterschreiben von Daten</a:t>
+              <a:t>Programm zum Verschlüsseln und Unterschreiben von Daten</a:t>
             </a:r>
           </a:p>
           <a:p>
@@ -9794,7 +9791,7 @@
                       <m:dPr>
                         <m:ctrlPr>
                           <a:rPr lang="de-DE" i="1">
-                            <a:latin typeface="Cambria Math"/>
+                            <a:latin typeface="Cambria Math" panose="02040503050406030204" pitchFamily="18" charset="0"/>
                           </a:rPr>
                         </m:ctrlPr>
                       </m:dPr>
@@ -9836,7 +9833,7 @@
                       <m:dPr>
                         <m:ctrlPr>
                           <a:rPr lang="de-DE" i="1">
-                            <a:latin typeface="Cambria Math"/>
+                            <a:latin typeface="Cambria Math" panose="02040503050406030204" pitchFamily="18" charset="0"/>
                           </a:rPr>
                         </m:ctrlPr>
                       </m:dPr>
@@ -10220,7 +10217,7 @@
   <a:extraClrSchemeLst/>
   <a:extLst>
     <a:ext uri="{05A4C25C-085E-4340-85A3-A5531E510DB2}">
-      <thm15:themeFamily xmlns:thm15="http://schemas.microsoft.com/office/thememl/2012/main" xmlns="" name="Dividend" id="{9697A71B-4AB7-4A1A-BD5B-BB2D22835B57}" vid="{5D8C9649-FBE1-4B5B-8258-8A170F9843AD}"/>
+      <thm15:themeFamily xmlns:thm15="http://schemas.microsoft.com/office/thememl/2012/main" name="Dividend" id="{9697A71B-4AB7-4A1A-BD5B-BB2D22835B57}" vid="{5D8C9649-FBE1-4B5B-8258-8A170F9843AD}"/>
     </a:ext>
   </a:extLst>
 </a:theme>
@@ -10481,7 +10478,7 @@
   <a:extraClrSchemeLst/>
   <a:extLst>
     <a:ext uri="{05A4C25C-085E-4340-85A3-A5531E510DB2}">
-      <thm15:themeFamily xmlns:thm15="http://schemas.microsoft.com/office/thememl/2012/main" xmlns="" name="Office Theme" id="{62F939B6-93AF-4DB8-9C6B-D6C7DFDC589F}" vid="{4A3C46E8-61CC-4603-A589-7422A47A8E4A}"/>
+      <thm15:themeFamily xmlns:thm15="http://schemas.microsoft.com/office/thememl/2012/main" name="Office Theme" id="{62F939B6-93AF-4DB8-9C6B-D6C7DFDC589F}" vid="{4A3C46E8-61CC-4603-A589-7422A47A8E4A}"/>
     </a:ext>
   </a:extLst>
 </a:theme>
